--- a/lessons/class6/Class6E.pptx
+++ b/lessons/class6/Class6E.pptx
@@ -30088,8 +30088,8 @@
             <a:chExt cx="377860" cy="1688723"/>
           </a:xfrm>
         </p:grpSpPr>
-        <mc:AlternateContent xmlns:mc="http://schemas.openxmlformats.org/markup-compatibility/2006">
-          <mc:Choice xmlns:a14="http://schemas.microsoft.com/office/drawing/2010/main" Requires="a14">
+        <mc:AlternateContent xmlns:mc="http://schemas.openxmlformats.org/markup-compatibility/2006" xmlns:a14="http://schemas.microsoft.com/office/drawing/2010/main">
+          <mc:Choice Requires="a14">
             <p:sp>
               <p:nvSpPr>
                 <p:cNvPr id="9" name="TextBox 8">
@@ -30118,6 +30118,7 @@
                 </a:bodyPr>
                 <a:lstStyle/>
                 <a:p>
+                  <a:pPr/>
                   <a14:m>
                     <m:oMathPara xmlns:m="http://schemas.openxmlformats.org/officeDocument/2006/math">
                       <m:oMathParaPr>
@@ -30139,7 +30140,7 @@
               </p:txBody>
             </p:sp>
           </mc:Choice>
-          <mc:Fallback>
+          <mc:Fallback xmlns="">
             <p:sp>
               <p:nvSpPr>
                 <p:cNvPr id="9" name="TextBox 8">
@@ -30184,8 +30185,8 @@
             </p:sp>
           </mc:Fallback>
         </mc:AlternateContent>
-        <mc:AlternateContent xmlns:mc="http://schemas.openxmlformats.org/markup-compatibility/2006">
-          <mc:Choice xmlns:a14="http://schemas.microsoft.com/office/drawing/2010/main" Requires="a14">
+        <mc:AlternateContent xmlns:mc="http://schemas.openxmlformats.org/markup-compatibility/2006" xmlns:a14="http://schemas.microsoft.com/office/drawing/2010/main">
+          <mc:Choice Requires="a14">
             <p:sp>
               <p:nvSpPr>
                 <p:cNvPr id="10" name="TextBox 9">
@@ -30214,6 +30215,7 @@
                 </a:bodyPr>
                 <a:lstStyle/>
                 <a:p>
+                  <a:pPr/>
                   <a14:m>
                     <m:oMathPara xmlns:m="http://schemas.openxmlformats.org/officeDocument/2006/math">
                       <m:oMathParaPr>
@@ -30235,7 +30237,7 @@
               </p:txBody>
             </p:sp>
           </mc:Choice>
-          <mc:Fallback>
+          <mc:Fallback xmlns="">
             <p:sp>
               <p:nvSpPr>
                 <p:cNvPr id="10" name="TextBox 9">
@@ -30280,8 +30282,8 @@
             </p:sp>
           </mc:Fallback>
         </mc:AlternateContent>
-        <mc:AlternateContent xmlns:mc="http://schemas.openxmlformats.org/markup-compatibility/2006">
-          <mc:Choice xmlns:a14="http://schemas.microsoft.com/office/drawing/2010/main" Requires="a14">
+        <mc:AlternateContent xmlns:mc="http://schemas.openxmlformats.org/markup-compatibility/2006" xmlns:a14="http://schemas.microsoft.com/office/drawing/2010/main">
+          <mc:Choice Requires="a14">
             <p:sp>
               <p:nvSpPr>
                 <p:cNvPr id="11" name="TextBox 10">
@@ -30310,6 +30312,7 @@
                 </a:bodyPr>
                 <a:lstStyle/>
                 <a:p>
+                  <a:pPr/>
                   <a14:m>
                     <m:oMathPara xmlns:m="http://schemas.openxmlformats.org/officeDocument/2006/math">
                       <m:oMathParaPr>
@@ -30331,7 +30334,7 @@
               </p:txBody>
             </p:sp>
           </mc:Choice>
-          <mc:Fallback>
+          <mc:Fallback xmlns="">
             <p:sp>
               <p:nvSpPr>
                 <p:cNvPr id="11" name="TextBox 10">
@@ -30376,8 +30379,8 @@
             </p:sp>
           </mc:Fallback>
         </mc:AlternateContent>
-        <mc:AlternateContent xmlns:mc="http://schemas.openxmlformats.org/markup-compatibility/2006">
-          <mc:Choice xmlns:a14="http://schemas.microsoft.com/office/drawing/2010/main" Requires="a14">
+        <mc:AlternateContent xmlns:mc="http://schemas.openxmlformats.org/markup-compatibility/2006" xmlns:a14="http://schemas.microsoft.com/office/drawing/2010/main">
+          <mc:Choice Requires="a14">
             <p:sp>
               <p:nvSpPr>
                 <p:cNvPr id="12" name="TextBox 11">
@@ -30406,6 +30409,7 @@
                 </a:bodyPr>
                 <a:lstStyle/>
                 <a:p>
+                  <a:pPr/>
                   <a14:m>
                     <m:oMathPara xmlns:m="http://schemas.openxmlformats.org/officeDocument/2006/math">
                       <m:oMathParaPr>
@@ -30427,7 +30431,7 @@
               </p:txBody>
             </p:sp>
           </mc:Choice>
-          <mc:Fallback>
+          <mc:Fallback xmlns="">
             <p:sp>
               <p:nvSpPr>
                 <p:cNvPr id="12" name="TextBox 11">
@@ -30956,8 +30960,8 @@
           </a:p>
         </p:txBody>
       </p:sp>
-      <mc:AlternateContent xmlns:mc="http://schemas.openxmlformats.org/markup-compatibility/2006">
-        <mc:Choice xmlns:a14="http://schemas.microsoft.com/office/drawing/2010/main" Requires="a14">
+      <mc:AlternateContent xmlns:mc="http://schemas.openxmlformats.org/markup-compatibility/2006" xmlns:a14="http://schemas.microsoft.com/office/drawing/2010/main">
+        <mc:Choice Requires="a14">
           <p:sp>
             <p:nvSpPr>
               <p:cNvPr id="9" name="TextBox 8">
@@ -31052,7 +31056,7 @@
             </p:txBody>
           </p:sp>
         </mc:Choice>
-        <mc:Fallback>
+        <mc:Fallback xmlns="">
           <p:sp>
             <p:nvSpPr>
               <p:cNvPr id="9" name="TextBox 8">
@@ -31532,8 +31536,8 @@
           </a:p>
         </p:txBody>
       </p:sp>
-      <mc:AlternateContent xmlns:mc="http://schemas.openxmlformats.org/markup-compatibility/2006">
-        <mc:Choice xmlns:a14="http://schemas.microsoft.com/office/drawing/2010/main" Requires="a14">
+      <mc:AlternateContent xmlns:mc="http://schemas.openxmlformats.org/markup-compatibility/2006" xmlns:a14="http://schemas.microsoft.com/office/drawing/2010/main">
+        <mc:Choice Requires="a14">
           <p:sp>
             <p:nvSpPr>
               <p:cNvPr id="9" name="TextBox 8">
@@ -31628,7 +31632,7 @@
             </p:txBody>
           </p:sp>
         </mc:Choice>
-        <mc:Fallback>
+        <mc:Fallback xmlns="">
           <p:sp>
             <p:nvSpPr>
               <p:cNvPr id="9" name="TextBox 8">
@@ -31982,8 +31986,8 @@
             </a:p>
           </p:txBody>
         </p:sp>
-        <mc:AlternateContent xmlns:mc="http://schemas.openxmlformats.org/markup-compatibility/2006">
-          <mc:Choice xmlns:a14="http://schemas.microsoft.com/office/drawing/2010/main" Requires="a14">
+        <mc:AlternateContent xmlns:mc="http://schemas.openxmlformats.org/markup-compatibility/2006" xmlns:a14="http://schemas.microsoft.com/office/drawing/2010/main">
+          <mc:Choice Requires="a14">
             <p:sp>
               <p:nvSpPr>
                 <p:cNvPr id="17" name="TextBox 16">
@@ -32035,7 +32039,7 @@
               </p:txBody>
             </p:sp>
           </mc:Choice>
-          <mc:Fallback>
+          <mc:Fallback xmlns="">
             <p:sp>
               <p:nvSpPr>
                 <p:cNvPr id="17" name="TextBox 16">
@@ -32537,8 +32541,8 @@
           </a:p>
         </p:txBody>
       </p:sp>
-      <mc:AlternateContent xmlns:mc="http://schemas.openxmlformats.org/markup-compatibility/2006">
-        <mc:Choice xmlns:a14="http://schemas.microsoft.com/office/drawing/2010/main" Requires="a14">
+      <mc:AlternateContent xmlns:mc="http://schemas.openxmlformats.org/markup-compatibility/2006" xmlns:a14="http://schemas.microsoft.com/office/drawing/2010/main">
+        <mc:Choice Requires="a14">
           <p:sp>
             <p:nvSpPr>
               <p:cNvPr id="9" name="TextBox 8">
@@ -32633,7 +32637,7 @@
             </p:txBody>
           </p:sp>
         </mc:Choice>
-        <mc:Fallback>
+        <mc:Fallback xmlns="">
           <p:sp>
             <p:nvSpPr>
               <p:cNvPr id="9" name="TextBox 8">
@@ -32987,8 +32991,8 @@
             </a:p>
           </p:txBody>
         </p:sp>
-        <mc:AlternateContent xmlns:mc="http://schemas.openxmlformats.org/markup-compatibility/2006">
-          <mc:Choice xmlns:a14="http://schemas.microsoft.com/office/drawing/2010/main" Requires="a14">
+        <mc:AlternateContent xmlns:mc="http://schemas.openxmlformats.org/markup-compatibility/2006" xmlns:a14="http://schemas.microsoft.com/office/drawing/2010/main">
+          <mc:Choice Requires="a14">
             <p:sp>
               <p:nvSpPr>
                 <p:cNvPr id="17" name="TextBox 16">
@@ -33058,7 +33062,7 @@
               </p:txBody>
             </p:sp>
           </mc:Choice>
-          <mc:Fallback>
+          <mc:Fallback xmlns="">
             <p:sp>
               <p:nvSpPr>
                 <p:cNvPr id="17" name="TextBox 16">
@@ -33581,8 +33585,8 @@
           </a:p>
         </p:txBody>
       </p:sp>
-      <mc:AlternateContent xmlns:mc="http://schemas.openxmlformats.org/markup-compatibility/2006">
-        <mc:Choice xmlns:a14="http://schemas.microsoft.com/office/drawing/2010/main" Requires="a14">
+      <mc:AlternateContent xmlns:mc="http://schemas.openxmlformats.org/markup-compatibility/2006" xmlns:a14="http://schemas.microsoft.com/office/drawing/2010/main">
+        <mc:Choice Requires="a14">
           <p:sp>
             <p:nvSpPr>
               <p:cNvPr id="9" name="TextBox 8">
@@ -33677,7 +33681,7 @@
             </p:txBody>
           </p:sp>
         </mc:Choice>
-        <mc:Fallback>
+        <mc:Fallback xmlns="">
           <p:sp>
             <p:nvSpPr>
               <p:cNvPr id="9" name="TextBox 8">
@@ -34031,8 +34035,8 @@
             </a:p>
           </p:txBody>
         </p:sp>
-        <mc:AlternateContent xmlns:mc="http://schemas.openxmlformats.org/markup-compatibility/2006">
-          <mc:Choice xmlns:a14="http://schemas.microsoft.com/office/drawing/2010/main" Requires="a14">
+        <mc:AlternateContent xmlns:mc="http://schemas.openxmlformats.org/markup-compatibility/2006" xmlns:a14="http://schemas.microsoft.com/office/drawing/2010/main">
+          <mc:Choice Requires="a14">
             <p:sp>
               <p:nvSpPr>
                 <p:cNvPr id="17" name="TextBox 16">
@@ -34102,7 +34106,7 @@
               </p:txBody>
             </p:sp>
           </mc:Choice>
-          <mc:Fallback>
+          <mc:Fallback xmlns="">
             <p:sp>
               <p:nvSpPr>
                 <p:cNvPr id="17" name="TextBox 16">
@@ -35928,6 +35932,87 @@
           </a:p>
         </p:txBody>
       </p:sp>
+      <p:sp>
+        <p:nvSpPr>
+          <p:cNvPr id="8" name="Rectangle 7">
+            <a:extLst>
+              <a:ext uri="{FF2B5EF4-FFF2-40B4-BE49-F238E27FC236}">
+                <a16:creationId xmlns:a16="http://schemas.microsoft.com/office/drawing/2014/main" id="{39349FC9-E22D-524B-B487-F1DC7E9B593F}"/>
+              </a:ext>
+            </a:extLst>
+          </p:cNvPr>
+          <p:cNvSpPr/>
+          <p:nvPr/>
+        </p:nvSpPr>
+        <p:spPr>
+          <a:xfrm rot="20250049">
+            <a:off x="363435" y="3367352"/>
+            <a:ext cx="4351564" cy="1186887"/>
+          </a:xfrm>
+          <a:prstGeom prst="rect">
+            <a:avLst/>
+          </a:prstGeom>
+        </p:spPr>
+        <p:style>
+          <a:lnRef idx="2">
+            <a:schemeClr val="accent1">
+              <a:shade val="50000"/>
+            </a:schemeClr>
+          </a:lnRef>
+          <a:fillRef idx="1">
+            <a:schemeClr val="accent1"/>
+          </a:fillRef>
+          <a:effectRef idx="0">
+            <a:schemeClr val="accent1"/>
+          </a:effectRef>
+          <a:fontRef idx="minor">
+            <a:schemeClr val="lt1"/>
+          </a:fontRef>
+        </p:style>
+        <p:txBody>
+          <a:bodyPr rtlCol="0" anchor="ctr"/>
+          <a:lstStyle/>
+          <a:p>
+            <a:pPr algn="ctr"/>
+            <a:r>
+              <a:rPr lang="en-US" dirty="0"/>
+              <a:t>For our final class:</a:t>
+            </a:r>
+          </a:p>
+          <a:p>
+            <a:pPr marL="285750" indent="-285750" algn="ctr">
+              <a:buFontTx/>
+              <a:buChar char="-"/>
+            </a:pPr>
+            <a:r>
+              <a:rPr lang="en-US" dirty="0"/>
+              <a:t>6 student </a:t>
+            </a:r>
+            <a:r>
+              <a:rPr lang="en-US" dirty="0" err="1"/>
+              <a:t>presentors</a:t>
+            </a:r>
+            <a:r>
+              <a:rPr lang="en-US" dirty="0"/>
+              <a:t>; guest evaluators</a:t>
+            </a:r>
+          </a:p>
+          <a:p>
+            <a:pPr marL="285750" indent="-285750" algn="ctr">
+              <a:buFontTx/>
+              <a:buChar char="-"/>
+            </a:pPr>
+            <a:r>
+              <a:rPr lang="en-US" dirty="0"/>
+              <a:t>Please read/skim the ethics articles</a:t>
+            </a:r>
+          </a:p>
+          <a:p>
+            <a:pPr algn="ctr"/>
+            <a:endParaRPr lang="en-US" dirty="0"/>
+          </a:p>
+        </p:txBody>
+      </p:sp>
     </p:spTree>
     <p:extLst>
       <p:ext uri="{BB962C8B-B14F-4D97-AF65-F5344CB8AC3E}">
@@ -35938,6 +36023,84 @@
   <p:clrMapOvr>
     <a:masterClrMapping/>
   </p:clrMapOvr>
+  <p:timing>
+    <p:tnLst>
+      <p:par>
+        <p:cTn id="1" dur="indefinite" restart="never" nodeType="tmRoot">
+          <p:childTnLst>
+            <p:seq concurrent="1" nextAc="seek">
+              <p:cTn id="2" dur="indefinite" nodeType="mainSeq">
+                <p:childTnLst>
+                  <p:par>
+                    <p:cTn id="3" fill="hold">
+                      <p:stCondLst>
+                        <p:cond delay="indefinite"/>
+                      </p:stCondLst>
+                      <p:childTnLst>
+                        <p:par>
+                          <p:cTn id="4" fill="hold">
+                            <p:stCondLst>
+                              <p:cond delay="0"/>
+                            </p:stCondLst>
+                            <p:childTnLst>
+                              <p:par>
+                                <p:cTn id="5" presetID="1" presetClass="entr" presetSubtype="0" fill="hold" grpId="0" nodeType="clickEffect">
+                                  <p:stCondLst>
+                                    <p:cond delay="0"/>
+                                  </p:stCondLst>
+                                  <p:childTnLst>
+                                    <p:set>
+                                      <p:cBhvr>
+                                        <p:cTn id="6" dur="1" fill="hold">
+                                          <p:stCondLst>
+                                            <p:cond delay="0"/>
+                                          </p:stCondLst>
+                                        </p:cTn>
+                                        <p:tgtEl>
+                                          <p:spTgt spid="8"/>
+                                        </p:tgtEl>
+                                        <p:attrNameLst>
+                                          <p:attrName>style.visibility</p:attrName>
+                                        </p:attrNameLst>
+                                      </p:cBhvr>
+                                      <p:to>
+                                        <p:strVal val="visible"/>
+                                      </p:to>
+                                    </p:set>
+                                  </p:childTnLst>
+                                </p:cTn>
+                              </p:par>
+                            </p:childTnLst>
+                          </p:cTn>
+                        </p:par>
+                      </p:childTnLst>
+                    </p:cTn>
+                  </p:par>
+                </p:childTnLst>
+              </p:cTn>
+              <p:prevCondLst>
+                <p:cond evt="onPrev" delay="0">
+                  <p:tgtEl>
+                    <p:sldTgt/>
+                  </p:tgtEl>
+                </p:cond>
+              </p:prevCondLst>
+              <p:nextCondLst>
+                <p:cond evt="onNext" delay="0">
+                  <p:tgtEl>
+                    <p:sldTgt/>
+                  </p:tgtEl>
+                </p:cond>
+              </p:nextCondLst>
+            </p:seq>
+          </p:childTnLst>
+        </p:cTn>
+      </p:par>
+    </p:tnLst>
+    <p:bldLst>
+      <p:bldP spid="8" grpId="0" animBg="1"/>
+    </p:bldLst>
+  </p:timing>
 </p:sld>
 </file>
 

--- a/lessons/class6/Class6E.pptx
+++ b/lessons/class6/Class6E.pptx
@@ -6871,7 +6871,7 @@
           <a:p>
             <a:fld id="{B0C0A60C-850A-4EA4-9C14-A8FE98B94505}" type="datetimeFigureOut">
               <a:rPr lang="en-US" smtClean="0"/>
-              <a:t>1/2/21</a:t>
+              <a:t>1/25/21</a:t>
             </a:fld>
             <a:endParaRPr lang="en-US"/>
           </a:p>
@@ -7539,7 +7539,7 @@
           <a:p>
             <a:fld id="{5738B90E-0779-4C36-915C-6F05FCD89456}" type="datetime1">
               <a:rPr lang="en-US" smtClean="0"/>
-              <a:t>1/2/21</a:t>
+              <a:t>1/25/21</a:t>
             </a:fld>
             <a:endParaRPr lang="en-US"/>
           </a:p>
@@ -7736,7 +7736,7 @@
           <a:p>
             <a:fld id="{7B9EA29D-D431-42FE-B7B6-AAE4454C77D3}" type="datetime1">
               <a:rPr lang="en-US" smtClean="0"/>
-              <a:t>1/2/21</a:t>
+              <a:t>1/25/21</a:t>
             </a:fld>
             <a:endParaRPr lang="en-US"/>
           </a:p>
@@ -8091,7 +8091,7 @@
           <a:p>
             <a:fld id="{690D8A1E-EA8F-46C1-B891-AE0C00D9C314}" type="datetime1">
               <a:rPr lang="en-US" smtClean="0"/>
-              <a:t>1/2/21</a:t>
+              <a:t>1/25/21</a:t>
             </a:fld>
             <a:endParaRPr lang="en-US"/>
           </a:p>
@@ -8399,7 +8399,7 @@
           <a:p>
             <a:fld id="{D753EFC8-4232-4598-94F6-94C0EBAFC469}" type="datetime1">
               <a:rPr lang="en-US" smtClean="0"/>
-              <a:t>1/2/21</a:t>
+              <a:t>1/25/21</a:t>
             </a:fld>
             <a:endParaRPr lang="en-US"/>
           </a:p>
@@ -8728,7 +8728,7 @@
           <a:p>
             <a:fld id="{F3161074-1C18-4AE7-957D-F18524378C85}" type="datetime1">
               <a:rPr lang="en-US" smtClean="0"/>
-              <a:t>1/2/21</a:t>
+              <a:t>1/25/21</a:t>
             </a:fld>
             <a:endParaRPr lang="en-US"/>
           </a:p>
@@ -8981,7 +8981,7 @@
           <a:p>
             <a:fld id="{69BE256C-8D9A-4404-B47D-41A1AE514425}" type="datetime1">
               <a:rPr lang="en-US" smtClean="0"/>
-              <a:t>1/2/21</a:t>
+              <a:t>1/25/21</a:t>
             </a:fld>
             <a:endParaRPr lang="en-US"/>
           </a:p>
@@ -9429,7 +9429,7 @@
           <a:p>
             <a:fld id="{66CB2154-9035-4012-8189-BAAB61C5A5EE}" type="datetime1">
               <a:rPr lang="en-US" smtClean="0"/>
-              <a:t>1/2/21</a:t>
+              <a:t>1/25/21</a:t>
             </a:fld>
             <a:endParaRPr lang="en-US"/>
           </a:p>
@@ -9617,7 +9617,7 @@
           <a:p>
             <a:fld id="{6700A58B-DD98-43D0-B791-721480A02982}" type="datetime1">
               <a:rPr lang="en-US" smtClean="0"/>
-              <a:t>1/2/21</a:t>
+              <a:t>1/25/21</a:t>
             </a:fld>
             <a:endParaRPr lang="en-US"/>
           </a:p>
@@ -9823,7 +9823,7 @@
           <a:p>
             <a:fld id="{7DB6E382-4F61-4E24-BE1A-377EC83D0E3A}" type="datetime1">
               <a:rPr lang="en-US" smtClean="0"/>
-              <a:t>1/2/21</a:t>
+              <a:t>1/25/21</a:t>
             </a:fld>
             <a:endParaRPr lang="en-US"/>
           </a:p>
@@ -10229,7 +10229,7 @@
           <a:p>
             <a:fld id="{4142EED6-FC16-45B9-B8C4-2BC5DBA88325}" type="datetime1">
               <a:rPr lang="en-US" smtClean="0"/>
-              <a:t>1/2/21</a:t>
+              <a:t>1/25/21</a:t>
             </a:fld>
             <a:endParaRPr lang="en-US"/>
           </a:p>
@@ -10561,7 +10561,7 @@
           <a:p>
             <a:fld id="{DF59512B-4F1D-43D7-8819-2F53FEF69650}" type="datetime1">
               <a:rPr lang="en-US" smtClean="0"/>
-              <a:t>1/2/21</a:t>
+              <a:t>1/25/21</a:t>
             </a:fld>
             <a:endParaRPr lang="en-US"/>
           </a:p>
@@ -10851,7 +10851,7 @@
           <a:p>
             <a:fld id="{08437B94-E2BF-44DC-ADC5-B05FC9934E9D}" type="datetime1">
               <a:rPr lang="en-US" smtClean="0"/>
-              <a:t>1/2/21</a:t>
+              <a:t>1/25/21</a:t>
             </a:fld>
             <a:endParaRPr lang="en-US"/>
           </a:p>
@@ -11290,7 +11290,7 @@
           <a:p>
             <a:fld id="{6700A58B-DD98-43D0-B791-721480A02982}" type="datetime1">
               <a:rPr lang="en-US" smtClean="0"/>
-              <a:t>1/2/21</a:t>
+              <a:t>1/25/21</a:t>
             </a:fld>
             <a:endParaRPr lang="en-US"/>
           </a:p>
@@ -11598,7 +11598,7 @@
           <a:p>
             <a:fld id="{6700A58B-DD98-43D0-B791-721480A02982}" type="datetime1">
               <a:rPr lang="en-US" smtClean="0"/>
-              <a:t>1/2/21</a:t>
+              <a:t>1/25/21</a:t>
             </a:fld>
             <a:endParaRPr lang="en-US"/>
           </a:p>
@@ -12530,7 +12530,7 @@
           <a:p>
             <a:fld id="{6700A58B-DD98-43D0-B791-721480A02982}" type="datetime1">
               <a:rPr lang="en-US" smtClean="0"/>
-              <a:t>1/2/21</a:t>
+              <a:t>1/25/21</a:t>
             </a:fld>
             <a:endParaRPr lang="en-US"/>
           </a:p>
@@ -13213,7 +13213,7 @@
           <a:p>
             <a:fld id="{6700A58B-DD98-43D0-B791-721480A02982}" type="datetime1">
               <a:rPr lang="en-US" smtClean="0"/>
-              <a:t>1/2/21</a:t>
+              <a:t>1/25/21</a:t>
             </a:fld>
             <a:endParaRPr lang="en-US"/>
           </a:p>
@@ -13441,7 +13441,7 @@
           <a:p>
             <a:fld id="{6700A58B-DD98-43D0-B791-721480A02982}" type="datetime1">
               <a:rPr lang="en-US" smtClean="0"/>
-              <a:t>1/2/21</a:t>
+              <a:t>1/25/21</a:t>
             </a:fld>
             <a:endParaRPr lang="en-US"/>
           </a:p>
@@ -15351,7 +15351,7 @@
           <a:p>
             <a:fld id="{6700A58B-DD98-43D0-B791-721480A02982}" type="datetime1">
               <a:rPr lang="en-US" smtClean="0"/>
-              <a:t>1/2/21</a:t>
+              <a:t>1/25/21</a:t>
             </a:fld>
             <a:endParaRPr lang="en-US"/>
           </a:p>
@@ -16608,7 +16608,7 @@
           <a:p>
             <a:fld id="{6700A58B-DD98-43D0-B791-721480A02982}" type="datetime1">
               <a:rPr lang="en-US" smtClean="0"/>
-              <a:t>1/2/21</a:t>
+              <a:t>1/25/21</a:t>
             </a:fld>
             <a:endParaRPr lang="en-US"/>
           </a:p>
@@ -16795,7 +16795,7 @@
           <a:p>
             <a:fld id="{6700A58B-DD98-43D0-B791-721480A02982}" type="datetime1">
               <a:rPr lang="en-US" smtClean="0"/>
-              <a:t>1/2/21</a:t>
+              <a:t>1/25/21</a:t>
             </a:fld>
             <a:endParaRPr lang="en-US"/>
           </a:p>
@@ -20460,7 +20460,7 @@
                   <a:spcPts val="600"/>
                 </a:spcAft>
               </a:pPr>
-              <a:t>1/2/21</a:t>
+              <a:t>1/25/21</a:t>
             </a:fld>
             <a:endParaRPr lang="en-US" sz="1200"/>
           </a:p>
@@ -21224,7 +21224,7 @@
                   <a:spcPts val="600"/>
                 </a:spcAft>
               </a:pPr>
-              <a:t>1/2/21</a:t>
+              <a:t>1/25/21</a:t>
             </a:fld>
             <a:endParaRPr lang="en-US" sz="1000">
               <a:solidFill>
@@ -21490,7 +21490,7 @@
                   <a:spcPts val="600"/>
                 </a:spcAft>
               </a:pPr>
-              <a:t>1/2/21</a:t>
+              <a:t>1/25/21</a:t>
             </a:fld>
             <a:endParaRPr lang="en-US" sz="1000">
               <a:solidFill>
@@ -21746,7 +21746,7 @@
           <a:p>
             <a:fld id="{6700A58B-DD98-43D0-B791-721480A02982}" type="datetime1">
               <a:rPr lang="en-US" smtClean="0"/>
-              <a:t>1/2/21</a:t>
+              <a:t>1/25/21</a:t>
             </a:fld>
             <a:endParaRPr lang="en-US"/>
           </a:p>
@@ -22862,7 +22862,7 @@
                   <a:spcPts val="600"/>
                 </a:spcAft>
               </a:pPr>
-              <a:t>1/2/21</a:t>
+              <a:t>1/25/21</a:t>
             </a:fld>
             <a:endParaRPr lang="en-US" sz="1200">
               <a:solidFill>
@@ -23040,7 +23040,7 @@
           <a:p>
             <a:fld id="{6700A58B-DD98-43D0-B791-721480A02982}" type="datetime1">
               <a:rPr lang="en-US" smtClean="0"/>
-              <a:t>1/2/21</a:t>
+              <a:t>1/25/21</a:t>
             </a:fld>
             <a:endParaRPr lang="en-US"/>
           </a:p>
@@ -24273,7 +24273,7 @@
           <a:p>
             <a:fld id="{6700A58B-DD98-43D0-B791-721480A02982}" type="datetime1">
               <a:rPr lang="en-US" smtClean="0"/>
-              <a:t>1/2/21</a:t>
+              <a:t>1/25/21</a:t>
             </a:fld>
             <a:endParaRPr lang="en-US"/>
           </a:p>
@@ -27980,7 +27980,7 @@
           <a:p>
             <a:fld id="{6700A58B-DD98-43D0-B791-721480A02982}" type="datetime1">
               <a:rPr lang="en-US" smtClean="0"/>
-              <a:t>1/2/21</a:t>
+              <a:t>1/25/21</a:t>
             </a:fld>
             <a:endParaRPr lang="en-US"/>
           </a:p>
@@ -29891,7 +29891,7 @@
           <a:p>
             <a:fld id="{6700A58B-DD98-43D0-B791-721480A02982}" type="datetime1">
               <a:rPr lang="en-US" smtClean="0"/>
-              <a:t>1/2/21</a:t>
+              <a:t>1/25/21</a:t>
             </a:fld>
             <a:endParaRPr lang="en-US"/>
           </a:p>
@@ -30804,7 +30804,7 @@
           <a:p>
             <a:fld id="{6700A58B-DD98-43D0-B791-721480A02982}" type="datetime1">
               <a:rPr lang="en-US" smtClean="0"/>
-              <a:t>1/2/21</a:t>
+              <a:t>1/25/21</a:t>
             </a:fld>
             <a:endParaRPr lang="en-US"/>
           </a:p>
@@ -31380,7 +31380,7 @@
           <a:p>
             <a:fld id="{6700A58B-DD98-43D0-B791-721480A02982}" type="datetime1">
               <a:rPr lang="en-US" smtClean="0"/>
-              <a:t>1/2/21</a:t>
+              <a:t>1/25/21</a:t>
             </a:fld>
             <a:endParaRPr lang="en-US"/>
           </a:p>
@@ -32314,11 +32314,11 @@
             </a:r>
             <a:r>
               <a:rPr lang="en-US" dirty="0" err="1"/>
-              <a:t>no_bills</a:t>
+              <a:t>num_bills</a:t>
             </a:r>
             <a:r>
               <a:rPr lang="en-US" dirty="0"/>
-              <a:t>: [63, 30, 167, 30,…] 2. 2. </a:t>
+              <a:t>: [63, 30, 167, 30,…]</a:t>
             </a:r>
           </a:p>
           <a:p>
@@ -32385,7 +32385,7 @@
           <a:p>
             <a:fld id="{6700A58B-DD98-43D0-B791-721480A02982}" type="datetime1">
               <a:rPr lang="en-US" smtClean="0"/>
-              <a:t>1/2/21</a:t>
+              <a:t>1/25/21</a:t>
             </a:fld>
             <a:endParaRPr lang="en-US"/>
           </a:p>
@@ -33429,7 +33429,7 @@
           <a:p>
             <a:fld id="{6700A58B-DD98-43D0-B791-721480A02982}" type="datetime1">
               <a:rPr lang="en-US" smtClean="0"/>
-              <a:t>1/2/21</a:t>
+              <a:t>1/25/21</a:t>
             </a:fld>
             <a:endParaRPr lang="en-US"/>
           </a:p>
@@ -34482,7 +34482,7 @@
           <a:p>
             <a:fld id="{6700A58B-DD98-43D0-B791-721480A02982}" type="datetime1">
               <a:rPr lang="en-US" smtClean="0"/>
-              <a:t>1/2/21</a:t>
+              <a:t>1/25/21</a:t>
             </a:fld>
             <a:endParaRPr lang="en-US"/>
           </a:p>
@@ -35129,7 +35129,7 @@
           <a:p>
             <a:fld id="{6700A58B-DD98-43D0-B791-721480A02982}" type="datetime1">
               <a:rPr lang="en-US" smtClean="0"/>
-              <a:t>1/2/21</a:t>
+              <a:t>1/25/21</a:t>
             </a:fld>
             <a:endParaRPr lang="en-US"/>
           </a:p>
@@ -35750,7 +35750,7 @@
           <a:p>
             <a:fld id="{6700A58B-DD98-43D0-B791-721480A02982}" type="datetime1">
               <a:rPr lang="en-US" smtClean="0"/>
-              <a:t>1/2/21</a:t>
+              <a:t>1/25/21</a:t>
             </a:fld>
             <a:endParaRPr lang="en-US"/>
           </a:p>
@@ -35985,16 +35985,12 @@
               <a:buChar char="-"/>
             </a:pPr>
             <a:r>
-              <a:rPr lang="en-US" dirty="0"/>
-              <a:t>6 student </a:t>
-            </a:r>
-            <a:r>
-              <a:rPr lang="en-US" dirty="0" err="1"/>
-              <a:t>presentors</a:t>
+              <a:rPr lang="en-US"/>
+              <a:t>Student </a:t>
             </a:r>
             <a:r>
               <a:rPr lang="en-US" dirty="0"/>
-              <a:t>; guest evaluators</a:t>
+              <a:t>presenters; guest evaluators</a:t>
             </a:r>
           </a:p>
           <a:p>
@@ -36144,7 +36140,7 @@
           <a:p>
             <a:fld id="{6700A58B-DD98-43D0-B791-721480A02982}" type="datetime1">
               <a:rPr lang="en-US" smtClean="0"/>
-              <a:t>1/2/21</a:t>
+              <a:t>1/25/21</a:t>
             </a:fld>
             <a:endParaRPr lang="en-US"/>
           </a:p>
@@ -36924,7 +36920,7 @@
           <a:p>
             <a:fld id="{6700A58B-DD98-43D0-B791-721480A02982}" type="datetime1">
               <a:rPr lang="en-US" smtClean="0"/>
-              <a:t>1/2/21</a:t>
+              <a:t>1/25/21</a:t>
             </a:fld>
             <a:endParaRPr lang="en-US"/>
           </a:p>
@@ -37639,7 +37635,7 @@
           <a:p>
             <a:fld id="{6700A58B-DD98-43D0-B791-721480A02982}" type="datetime1">
               <a:rPr lang="en-US" smtClean="0"/>
-              <a:t>1/2/21</a:t>
+              <a:t>1/25/21</a:t>
             </a:fld>
             <a:endParaRPr lang="en-US"/>
           </a:p>
@@ -38746,7 +38742,7 @@
           <a:p>
             <a:fld id="{6700A58B-DD98-43D0-B791-721480A02982}" type="datetime1">
               <a:rPr lang="en-US" smtClean="0"/>
-              <a:t>1/2/21</a:t>
+              <a:t>1/25/21</a:t>
             </a:fld>
             <a:endParaRPr lang="en-US"/>
           </a:p>
@@ -39977,7 +39973,7 @@
           <a:p>
             <a:fld id="{6700A58B-DD98-43D0-B791-721480A02982}" type="datetime1">
               <a:rPr lang="en-US" smtClean="0"/>
-              <a:t>1/2/21</a:t>
+              <a:t>1/25/21</a:t>
             </a:fld>
             <a:endParaRPr lang="en-US"/>
           </a:p>
@@ -40820,7 +40816,7 @@
           <a:p>
             <a:fld id="{6700A58B-DD98-43D0-B791-721480A02982}" type="datetime1">
               <a:rPr lang="en-US" smtClean="0"/>
-              <a:t>1/2/21</a:t>
+              <a:t>1/25/21</a:t>
             </a:fld>
             <a:endParaRPr lang="en-US"/>
           </a:p>
